--- a/docs/P4v1.2-spec.pptx
+++ b/docs/P4v1.2-spec.pptx
@@ -225,7 +225,7 @@
           <a:p>
             <a:fld id="{DED3B27D-5B62-AC40-B6AC-59B5C583BAA4}" type="datetimeFigureOut">
               <a:rPr lang="en-US" smtClean="0"/>
-              <a:t>3/24/16</a:t>
+              <a:t>4/5/16</a:t>
             </a:fld>
             <a:endParaRPr lang="en-US"/>
           </a:p>
@@ -671,7 +671,7 @@
           <a:p>
             <a:fld id="{E5FA88D9-A900-BE49-8FB1-39E9E0AFC9E6}" type="datetimeFigureOut">
               <a:rPr lang="en-US" smtClean="0"/>
-              <a:t>3/24/16</a:t>
+              <a:t>4/5/16</a:t>
             </a:fld>
             <a:endParaRPr lang="en-US"/>
           </a:p>
@@ -839,7 +839,7 @@
           <a:p>
             <a:fld id="{E5FA88D9-A900-BE49-8FB1-39E9E0AFC9E6}" type="datetimeFigureOut">
               <a:rPr lang="en-US" smtClean="0"/>
-              <a:t>3/24/16</a:t>
+              <a:t>4/5/16</a:t>
             </a:fld>
             <a:endParaRPr lang="en-US"/>
           </a:p>
@@ -1017,7 +1017,7 @@
           <a:p>
             <a:fld id="{E5FA88D9-A900-BE49-8FB1-39E9E0AFC9E6}" type="datetimeFigureOut">
               <a:rPr lang="en-US" smtClean="0"/>
-              <a:t>3/24/16</a:t>
+              <a:t>4/5/16</a:t>
             </a:fld>
             <a:endParaRPr lang="en-US"/>
           </a:p>
@@ -1185,7 +1185,7 @@
           <a:p>
             <a:fld id="{E5FA88D9-A900-BE49-8FB1-39E9E0AFC9E6}" type="datetimeFigureOut">
               <a:rPr lang="en-US" smtClean="0"/>
-              <a:t>3/24/16</a:t>
+              <a:t>4/5/16</a:t>
             </a:fld>
             <a:endParaRPr lang="en-US"/>
           </a:p>
@@ -1430,7 +1430,7 @@
           <a:p>
             <a:fld id="{E5FA88D9-A900-BE49-8FB1-39E9E0AFC9E6}" type="datetimeFigureOut">
               <a:rPr lang="en-US" smtClean="0"/>
-              <a:t>3/24/16</a:t>
+              <a:t>4/5/16</a:t>
             </a:fld>
             <a:endParaRPr lang="en-US"/>
           </a:p>
@@ -1715,7 +1715,7 @@
           <a:p>
             <a:fld id="{E5FA88D9-A900-BE49-8FB1-39E9E0AFC9E6}" type="datetimeFigureOut">
               <a:rPr lang="en-US" smtClean="0"/>
-              <a:t>3/24/16</a:t>
+              <a:t>4/5/16</a:t>
             </a:fld>
             <a:endParaRPr lang="en-US"/>
           </a:p>
@@ -2134,7 +2134,7 @@
           <a:p>
             <a:fld id="{E5FA88D9-A900-BE49-8FB1-39E9E0AFC9E6}" type="datetimeFigureOut">
               <a:rPr lang="en-US" smtClean="0"/>
-              <a:t>3/24/16</a:t>
+              <a:t>4/5/16</a:t>
             </a:fld>
             <a:endParaRPr lang="en-US"/>
           </a:p>
@@ -2251,7 +2251,7 @@
           <a:p>
             <a:fld id="{E5FA88D9-A900-BE49-8FB1-39E9E0AFC9E6}" type="datetimeFigureOut">
               <a:rPr lang="en-US" smtClean="0"/>
-              <a:t>3/24/16</a:t>
+              <a:t>4/5/16</a:t>
             </a:fld>
             <a:endParaRPr lang="en-US"/>
           </a:p>
@@ -2346,7 +2346,7 @@
           <a:p>
             <a:fld id="{E5FA88D9-A900-BE49-8FB1-39E9E0AFC9E6}" type="datetimeFigureOut">
               <a:rPr lang="en-US" smtClean="0"/>
-              <a:t>3/24/16</a:t>
+              <a:t>4/5/16</a:t>
             </a:fld>
             <a:endParaRPr lang="en-US"/>
           </a:p>
@@ -2621,7 +2621,7 @@
           <a:p>
             <a:fld id="{E5FA88D9-A900-BE49-8FB1-39E9E0AFC9E6}" type="datetimeFigureOut">
               <a:rPr lang="en-US" smtClean="0"/>
-              <a:t>3/24/16</a:t>
+              <a:t>4/5/16</a:t>
             </a:fld>
             <a:endParaRPr lang="en-US"/>
           </a:p>
@@ -2873,7 +2873,7 @@
           <a:p>
             <a:fld id="{E5FA88D9-A900-BE49-8FB1-39E9E0AFC9E6}" type="datetimeFigureOut">
               <a:rPr lang="en-US" smtClean="0"/>
-              <a:t>3/24/16</a:t>
+              <a:t>4/5/16</a:t>
             </a:fld>
             <a:endParaRPr lang="en-US"/>
           </a:p>
@@ -3084,7 +3084,7 @@
           <a:p>
             <a:fld id="{E5FA88D9-A900-BE49-8FB1-39E9E0AFC9E6}" type="datetimeFigureOut">
               <a:rPr lang="en-US" smtClean="0"/>
-              <a:t>3/24/16</a:t>
+              <a:t>4/5/16</a:t>
             </a:fld>
             <a:endParaRPr lang="en-US"/>
           </a:p>
@@ -7030,14 +7030,14 @@
                 <a:gridCol w="1207821">
                   <a:extLst>
                     <a:ext uri="{9D8B030D-6E8A-4147-A177-3AD203B41FA5}">
-                      <a16:colId xmlns="" xmlns:a16="http://schemas.microsoft.com/office/drawing/2014/main" val="20000"/>
+                      <a16:colId xmlns:a16="http://schemas.microsoft.com/office/drawing/2014/main" xmlns="" val="20000"/>
                     </a:ext>
                   </a:extLst>
                 </a:gridCol>
                 <a:gridCol w="1233947">
                   <a:extLst>
                     <a:ext uri="{9D8B030D-6E8A-4147-A177-3AD203B41FA5}">
-                      <a16:colId xmlns="" xmlns:a16="http://schemas.microsoft.com/office/drawing/2014/main" val="20001"/>
+                      <a16:colId xmlns:a16="http://schemas.microsoft.com/office/drawing/2014/main" xmlns="" val="20001"/>
                     </a:ext>
                   </a:extLst>
                 </a:gridCol>
@@ -7071,7 +7071,7 @@
                 </a:tc>
                 <a:extLst>
                   <a:ext uri="{0D108BD9-81ED-4DB2-BD59-A6C34878D82A}">
-                    <a16:rowId xmlns="" xmlns:a16="http://schemas.microsoft.com/office/drawing/2014/main" val="10000"/>
+                    <a16:rowId xmlns:a16="http://schemas.microsoft.com/office/drawing/2014/main" xmlns="" val="10000"/>
                   </a:ext>
                 </a:extLst>
               </a:tr>
@@ -7098,7 +7098,7 @@
                 </a:tc>
                 <a:extLst>
                   <a:ext uri="{0D108BD9-81ED-4DB2-BD59-A6C34878D82A}">
-                    <a16:rowId xmlns="" xmlns:a16="http://schemas.microsoft.com/office/drawing/2014/main" val="10001"/>
+                    <a16:rowId xmlns:a16="http://schemas.microsoft.com/office/drawing/2014/main" xmlns="" val="10001"/>
                   </a:ext>
                 </a:extLst>
               </a:tr>
@@ -7125,7 +7125,7 @@
                 </a:tc>
                 <a:extLst>
                   <a:ext uri="{0D108BD9-81ED-4DB2-BD59-A6C34878D82A}">
-                    <a16:rowId xmlns="" xmlns:a16="http://schemas.microsoft.com/office/drawing/2014/main" val="10002"/>
+                    <a16:rowId xmlns:a16="http://schemas.microsoft.com/office/drawing/2014/main" xmlns="" val="10002"/>
                   </a:ext>
                 </a:extLst>
               </a:tr>
@@ -7172,7 +7172,7 @@
                 </a:tc>
                 <a:extLst>
                   <a:ext uri="{0D108BD9-81ED-4DB2-BD59-A6C34878D82A}">
-                    <a16:rowId xmlns="" xmlns:a16="http://schemas.microsoft.com/office/drawing/2014/main" val="10003"/>
+                    <a16:rowId xmlns:a16="http://schemas.microsoft.com/office/drawing/2014/main" xmlns="" val="10003"/>
                   </a:ext>
                 </a:extLst>
               </a:tr>
@@ -7199,7 +7199,7 @@
                 </a:tc>
                 <a:extLst>
                   <a:ext uri="{0D108BD9-81ED-4DB2-BD59-A6C34878D82A}">
-                    <a16:rowId xmlns="" xmlns:a16="http://schemas.microsoft.com/office/drawing/2014/main" val="10004"/>
+                    <a16:rowId xmlns:a16="http://schemas.microsoft.com/office/drawing/2014/main" xmlns="" val="10004"/>
                   </a:ext>
                 </a:extLst>
               </a:tr>
@@ -7226,7 +7226,7 @@
                 </a:tc>
                 <a:extLst>
                   <a:ext uri="{0D108BD9-81ED-4DB2-BD59-A6C34878D82A}">
-                    <a16:rowId xmlns="" xmlns:a16="http://schemas.microsoft.com/office/drawing/2014/main" val="10005"/>
+                    <a16:rowId xmlns:a16="http://schemas.microsoft.com/office/drawing/2014/main" xmlns="" val="10005"/>
                   </a:ext>
                 </a:extLst>
               </a:tr>
@@ -17712,6 +17712,57 @@
       </p:grpSpPr>
       <p:sp>
         <p:nvSpPr>
+          <p:cNvPr id="44" name="Right Arrow 43"/>
+          <p:cNvSpPr/>
+          <p:nvPr/>
+        </p:nvSpPr>
+        <p:spPr>
+          <a:xfrm>
+            <a:off x="1132771" y="3239821"/>
+            <a:ext cx="2184944" cy="599311"/>
+          </a:xfrm>
+          <a:prstGeom prst="rightArrow">
+            <a:avLst/>
+          </a:prstGeom>
+          <a:solidFill>
+            <a:schemeClr val="accent3">
+              <a:lumMod val="60000"/>
+              <a:lumOff val="40000"/>
+            </a:schemeClr>
+          </a:solidFill>
+          <a:ln>
+            <a:solidFill>
+              <a:schemeClr val="accent3">
+                <a:lumMod val="75000"/>
+              </a:schemeClr>
+            </a:solidFill>
+          </a:ln>
+        </p:spPr>
+        <p:style>
+          <a:lnRef idx="1">
+            <a:schemeClr val="accent2"/>
+          </a:lnRef>
+          <a:fillRef idx="3">
+            <a:schemeClr val="accent2"/>
+          </a:fillRef>
+          <a:effectRef idx="2">
+            <a:schemeClr val="accent2"/>
+          </a:effectRef>
+          <a:fontRef idx="minor">
+            <a:schemeClr val="lt1"/>
+          </a:fontRef>
+        </p:style>
+        <p:txBody>
+          <a:bodyPr rtlCol="0" anchor="ctr"/>
+          <a:lstStyle/>
+          <a:p>
+            <a:pPr algn="ctr"/>
+            <a:endParaRPr lang="en-US"/>
+          </a:p>
+        </p:txBody>
+      </p:sp>
+      <p:sp>
+        <p:nvSpPr>
           <p:cNvPr id="2" name="Rectangle 1"/>
           <p:cNvSpPr/>
           <p:nvPr/>
@@ -18033,52 +18084,6 @@
       </p:cxnSp>
       <p:sp>
         <p:nvSpPr>
-          <p:cNvPr id="22" name="Rectangle 21"/>
-          <p:cNvSpPr/>
-          <p:nvPr/>
-        </p:nvSpPr>
-        <p:spPr>
-          <a:xfrm>
-            <a:off x="4905629" y="3336836"/>
-            <a:ext cx="2304448" cy="315421"/>
-          </a:xfrm>
-          <a:prstGeom prst="rect">
-            <a:avLst/>
-          </a:prstGeom>
-          <a:solidFill>
-            <a:srgbClr val="FF6600"/>
-          </a:solidFill>
-          <a:ln>
-            <a:solidFill>
-              <a:srgbClr val="FF0000"/>
-            </a:solidFill>
-          </a:ln>
-        </p:spPr>
-        <p:style>
-          <a:lnRef idx="1">
-            <a:schemeClr val="accent1"/>
-          </a:lnRef>
-          <a:fillRef idx="3">
-            <a:schemeClr val="accent1"/>
-          </a:fillRef>
-          <a:effectRef idx="2">
-            <a:schemeClr val="accent1"/>
-          </a:effectRef>
-          <a:fontRef idx="minor">
-            <a:schemeClr val="lt1"/>
-          </a:fontRef>
-        </p:style>
-        <p:txBody>
-          <a:bodyPr rtlCol="0" anchor="ctr"/>
-          <a:lstStyle/>
-          <a:p>
-            <a:pPr algn="ctr"/>
-            <a:endParaRPr lang="en-US"/>
-          </a:p>
-        </p:txBody>
-      </p:sp>
-      <p:sp>
-        <p:nvSpPr>
           <p:cNvPr id="24" name="TextBox 23"/>
           <p:cNvSpPr txBox="1"/>
           <p:nvPr/>
@@ -18346,52 +18351,6 @@
       </p:sp>
       <p:sp>
         <p:nvSpPr>
-          <p:cNvPr id="23" name="Rectangle 22"/>
-          <p:cNvSpPr/>
-          <p:nvPr/>
-        </p:nvSpPr>
-        <p:spPr>
-          <a:xfrm>
-            <a:off x="1132946" y="3336837"/>
-            <a:ext cx="2191324" cy="327252"/>
-          </a:xfrm>
-          <a:prstGeom prst="rect">
-            <a:avLst/>
-          </a:prstGeom>
-          <a:solidFill>
-            <a:srgbClr val="FF6600"/>
-          </a:solidFill>
-          <a:ln>
-            <a:solidFill>
-              <a:srgbClr val="FF0000"/>
-            </a:solidFill>
-          </a:ln>
-        </p:spPr>
-        <p:style>
-          <a:lnRef idx="1">
-            <a:schemeClr val="accent1"/>
-          </a:lnRef>
-          <a:fillRef idx="3">
-            <a:schemeClr val="accent1"/>
-          </a:fillRef>
-          <a:effectRef idx="2">
-            <a:schemeClr val="accent1"/>
-          </a:effectRef>
-          <a:fontRef idx="minor">
-            <a:schemeClr val="lt1"/>
-          </a:fontRef>
-        </p:style>
-        <p:txBody>
-          <a:bodyPr rtlCol="0" anchor="ctr"/>
-          <a:lstStyle/>
-          <a:p>
-            <a:pPr algn="ctr"/>
-            <a:endParaRPr lang="en-US"/>
-          </a:p>
-        </p:txBody>
-      </p:sp>
-      <p:sp>
-        <p:nvSpPr>
           <p:cNvPr id="64" name="Right Arrow 63"/>
           <p:cNvSpPr/>
           <p:nvPr/>
@@ -18883,44 +18842,6 @@
               <a:rPr lang="en-US" dirty="0"/>
               <a:t>From CPU</a:t>
             </a:r>
-          </a:p>
-        </p:txBody>
-      </p:sp>
-      <p:sp>
-        <p:nvSpPr>
-          <p:cNvPr id="79" name="Right Arrow 78"/>
-          <p:cNvSpPr/>
-          <p:nvPr/>
-        </p:nvSpPr>
-        <p:spPr>
-          <a:xfrm>
-            <a:off x="2842635" y="2904891"/>
-            <a:ext cx="481634" cy="159888"/>
-          </a:xfrm>
-          <a:prstGeom prst="rightArrow">
-            <a:avLst/>
-          </a:prstGeom>
-        </p:spPr>
-        <p:style>
-          <a:lnRef idx="1">
-            <a:schemeClr val="accent2"/>
-          </a:lnRef>
-          <a:fillRef idx="3">
-            <a:schemeClr val="accent2"/>
-          </a:fillRef>
-          <a:effectRef idx="2">
-            <a:schemeClr val="accent2"/>
-          </a:effectRef>
-          <a:fontRef idx="minor">
-            <a:schemeClr val="lt1"/>
-          </a:fontRef>
-        </p:style>
-        <p:txBody>
-          <a:bodyPr rtlCol="0" anchor="ctr"/>
-          <a:lstStyle/>
-          <a:p>
-            <a:pPr algn="ctr"/>
-            <a:endParaRPr lang="en-US"/>
           </a:p>
         </p:txBody>
       </p:sp>
@@ -18958,7 +18879,6 @@
           <p:cNvPr id="81" name="Straight Arrow Connector 80"/>
           <p:cNvCxnSpPr>
             <a:stCxn id="80" idx="2"/>
-            <a:endCxn id="79" idx="0"/>
           </p:cNvCxnSpPr>
           <p:nvPr/>
         </p:nvCxnSpPr>
@@ -19162,7 +19082,6 @@
           <p:cNvPr id="29" name="Straight Arrow Connector 28"/>
           <p:cNvCxnSpPr>
             <a:stCxn id="25" idx="0"/>
-            <a:endCxn id="22" idx="2"/>
           </p:cNvCxnSpPr>
           <p:nvPr/>
         </p:nvCxnSpPr>
@@ -19377,6 +19296,108 @@
               <a:rPr lang="en-US" sz="2400" dirty="0"/>
               <a:t>Parser</a:t>
             </a:r>
+          </a:p>
+        </p:txBody>
+      </p:sp>
+      <p:sp>
+        <p:nvSpPr>
+          <p:cNvPr id="45" name="Right Arrow 44"/>
+          <p:cNvSpPr/>
+          <p:nvPr/>
+        </p:nvSpPr>
+        <p:spPr>
+          <a:xfrm>
+            <a:off x="4994749" y="3209923"/>
+            <a:ext cx="2184944" cy="599311"/>
+          </a:xfrm>
+          <a:prstGeom prst="rightArrow">
+            <a:avLst/>
+          </a:prstGeom>
+          <a:solidFill>
+            <a:schemeClr val="accent3">
+              <a:lumMod val="60000"/>
+              <a:lumOff val="40000"/>
+            </a:schemeClr>
+          </a:solidFill>
+          <a:ln>
+            <a:solidFill>
+              <a:schemeClr val="accent3">
+                <a:lumMod val="75000"/>
+              </a:schemeClr>
+            </a:solidFill>
+          </a:ln>
+        </p:spPr>
+        <p:style>
+          <a:lnRef idx="1">
+            <a:schemeClr val="accent2"/>
+          </a:lnRef>
+          <a:fillRef idx="3">
+            <a:schemeClr val="accent2"/>
+          </a:fillRef>
+          <a:effectRef idx="2">
+            <a:schemeClr val="accent2"/>
+          </a:effectRef>
+          <a:fontRef idx="minor">
+            <a:schemeClr val="lt1"/>
+          </a:fontRef>
+        </p:style>
+        <p:txBody>
+          <a:bodyPr rtlCol="0" anchor="ctr"/>
+          <a:lstStyle/>
+          <a:p>
+            <a:pPr algn="ctr"/>
+            <a:endParaRPr lang="en-US"/>
+          </a:p>
+        </p:txBody>
+      </p:sp>
+      <p:sp>
+        <p:nvSpPr>
+          <p:cNvPr id="47" name="Right Arrow 46"/>
+          <p:cNvSpPr/>
+          <p:nvPr/>
+        </p:nvSpPr>
+        <p:spPr>
+          <a:xfrm>
+            <a:off x="2878732" y="2903753"/>
+            <a:ext cx="438984" cy="151607"/>
+          </a:xfrm>
+          <a:prstGeom prst="rightArrow">
+            <a:avLst/>
+          </a:prstGeom>
+          <a:solidFill>
+            <a:schemeClr val="accent3">
+              <a:lumMod val="60000"/>
+              <a:lumOff val="40000"/>
+            </a:schemeClr>
+          </a:solidFill>
+          <a:ln>
+            <a:solidFill>
+              <a:schemeClr val="accent3">
+                <a:lumMod val="75000"/>
+              </a:schemeClr>
+            </a:solidFill>
+          </a:ln>
+        </p:spPr>
+        <p:style>
+          <a:lnRef idx="1">
+            <a:schemeClr val="accent2"/>
+          </a:lnRef>
+          <a:fillRef idx="3">
+            <a:schemeClr val="accent2"/>
+          </a:fillRef>
+          <a:effectRef idx="2">
+            <a:schemeClr val="accent2"/>
+          </a:effectRef>
+          <a:fontRef idx="minor">
+            <a:schemeClr val="lt1"/>
+          </a:fontRef>
+        </p:style>
+        <p:txBody>
+          <a:bodyPr rtlCol="0" anchor="ctr"/>
+          <a:lstStyle/>
+          <a:p>
+            <a:pPr algn="ctr"/>
+            <a:endParaRPr lang="en-US"/>
           </a:p>
         </p:txBody>
       </p:sp>
